--- a/MICCAI2017/Paper/Images/FigureConstruction.pptx
+++ b/MICCAI2017/Paper/Images/FigureConstruction.pptx
@@ -6,6 +6,10 @@
   </p:sldMasterIdLst>
   <p:sldIdLst>
     <p:sldId id="256" r:id="rId2"/>
+    <p:sldId id="257" r:id="rId3"/>
+    <p:sldId id="258" r:id="rId4"/>
+    <p:sldId id="259" r:id="rId5"/>
+    <p:sldId id="260" r:id="rId6"/>
   </p:sldIdLst>
   <p:sldSz cx="12192000" cy="6858000"/>
   <p:notesSz cx="6858000" cy="9144000"/>
@@ -243,7 +247,7 @@
           <a:p>
             <a:fld id="{DBF41711-10AC-4837-8A6C-8D4A8E28D4C1}" type="datetimeFigureOut">
               <a:rPr lang="en-US" smtClean="0"/>
-              <a:t>1/31/2017</a:t>
+              <a:t>2/7/2017</a:t>
             </a:fld>
             <a:endParaRPr lang="en-US"/>
           </a:p>
@@ -413,7 +417,7 @@
           <a:p>
             <a:fld id="{DBF41711-10AC-4837-8A6C-8D4A8E28D4C1}" type="datetimeFigureOut">
               <a:rPr lang="en-US" smtClean="0"/>
-              <a:t>1/31/2017</a:t>
+              <a:t>2/7/2017</a:t>
             </a:fld>
             <a:endParaRPr lang="en-US"/>
           </a:p>
@@ -593,7 +597,7 @@
           <a:p>
             <a:fld id="{DBF41711-10AC-4837-8A6C-8D4A8E28D4C1}" type="datetimeFigureOut">
               <a:rPr lang="en-US" smtClean="0"/>
-              <a:t>1/31/2017</a:t>
+              <a:t>2/7/2017</a:t>
             </a:fld>
             <a:endParaRPr lang="en-US"/>
           </a:p>
@@ -763,7 +767,7 @@
           <a:p>
             <a:fld id="{DBF41711-10AC-4837-8A6C-8D4A8E28D4C1}" type="datetimeFigureOut">
               <a:rPr lang="en-US" smtClean="0"/>
-              <a:t>1/31/2017</a:t>
+              <a:t>2/7/2017</a:t>
             </a:fld>
             <a:endParaRPr lang="en-US"/>
           </a:p>
@@ -1009,7 +1013,7 @@
           <a:p>
             <a:fld id="{DBF41711-10AC-4837-8A6C-8D4A8E28D4C1}" type="datetimeFigureOut">
               <a:rPr lang="en-US" smtClean="0"/>
-              <a:t>1/31/2017</a:t>
+              <a:t>2/7/2017</a:t>
             </a:fld>
             <a:endParaRPr lang="en-US"/>
           </a:p>
@@ -1241,7 +1245,7 @@
           <a:p>
             <a:fld id="{DBF41711-10AC-4837-8A6C-8D4A8E28D4C1}" type="datetimeFigureOut">
               <a:rPr lang="en-US" smtClean="0"/>
-              <a:t>1/31/2017</a:t>
+              <a:t>2/7/2017</a:t>
             </a:fld>
             <a:endParaRPr lang="en-US"/>
           </a:p>
@@ -1608,7 +1612,7 @@
           <a:p>
             <a:fld id="{DBF41711-10AC-4837-8A6C-8D4A8E28D4C1}" type="datetimeFigureOut">
               <a:rPr lang="en-US" smtClean="0"/>
-              <a:t>1/31/2017</a:t>
+              <a:t>2/7/2017</a:t>
             </a:fld>
             <a:endParaRPr lang="en-US"/>
           </a:p>
@@ -1726,7 +1730,7 @@
           <a:p>
             <a:fld id="{DBF41711-10AC-4837-8A6C-8D4A8E28D4C1}" type="datetimeFigureOut">
               <a:rPr lang="en-US" smtClean="0"/>
-              <a:t>1/31/2017</a:t>
+              <a:t>2/7/2017</a:t>
             </a:fld>
             <a:endParaRPr lang="en-US"/>
           </a:p>
@@ -1821,7 +1825,7 @@
           <a:p>
             <a:fld id="{DBF41711-10AC-4837-8A6C-8D4A8E28D4C1}" type="datetimeFigureOut">
               <a:rPr lang="en-US" smtClean="0"/>
-              <a:t>1/31/2017</a:t>
+              <a:t>2/7/2017</a:t>
             </a:fld>
             <a:endParaRPr lang="en-US"/>
           </a:p>
@@ -2098,7 +2102,7 @@
           <a:p>
             <a:fld id="{DBF41711-10AC-4837-8A6C-8D4A8E28D4C1}" type="datetimeFigureOut">
               <a:rPr lang="en-US" smtClean="0"/>
-              <a:t>1/31/2017</a:t>
+              <a:t>2/7/2017</a:t>
             </a:fld>
             <a:endParaRPr lang="en-US"/>
           </a:p>
@@ -2351,7 +2355,7 @@
           <a:p>
             <a:fld id="{DBF41711-10AC-4837-8A6C-8D4A8E28D4C1}" type="datetimeFigureOut">
               <a:rPr lang="en-US" smtClean="0"/>
-              <a:t>1/31/2017</a:t>
+              <a:t>2/7/2017</a:t>
             </a:fld>
             <a:endParaRPr lang="en-US"/>
           </a:p>
@@ -2564,7 +2568,7 @@
           <a:p>
             <a:fld id="{DBF41711-10AC-4837-8A6C-8D4A8E28D4C1}" type="datetimeFigureOut">
               <a:rPr lang="en-US" smtClean="0"/>
-              <a:t>1/31/2017</a:t>
+              <a:t>2/7/2017</a:t>
             </a:fld>
             <a:endParaRPr lang="en-US"/>
           </a:p>
@@ -2971,23 +2975,288 @@
       </p:grpSpPr>
       <p:grpSp>
         <p:nvGrpSpPr>
-          <p:cNvPr id="5" name="Group 4"/>
-          <p:cNvGrpSpPr>
-            <a:grpSpLocks noChangeAspect="1"/>
-          </p:cNvGrpSpPr>
+          <p:cNvPr id="15" name="Group 14"/>
+          <p:cNvGrpSpPr/>
           <p:nvPr/>
         </p:nvGrpSpPr>
         <p:grpSpPr>
           <a:xfrm>
-            <a:off x="2238930" y="960583"/>
-            <a:ext cx="7167270" cy="4936836"/>
-            <a:chOff x="-439616" y="0"/>
-            <a:chExt cx="9956405" cy="6858000"/>
+            <a:off x="2229716" y="960583"/>
+            <a:ext cx="7176484" cy="4936836"/>
+            <a:chOff x="2229716" y="960583"/>
+            <a:chExt cx="7176484" cy="4936836"/>
+          </a:xfrm>
+        </p:grpSpPr>
+        <p:grpSp>
+          <p:nvGrpSpPr>
+            <p:cNvPr id="5" name="Group 4"/>
+            <p:cNvGrpSpPr>
+              <a:grpSpLocks noChangeAspect="1"/>
+            </p:cNvGrpSpPr>
+            <p:nvPr/>
+          </p:nvGrpSpPr>
+          <p:grpSpPr>
+            <a:xfrm>
+              <a:off x="2238930" y="960583"/>
+              <a:ext cx="7167270" cy="4936836"/>
+              <a:chOff x="-439616" y="0"/>
+              <a:chExt cx="9956405" cy="6858000"/>
+            </a:xfrm>
+          </p:grpSpPr>
+          <p:pic>
+            <p:nvPicPr>
+              <p:cNvPr id="3" name="Picture 2"/>
+              <p:cNvPicPr>
+                <a:picLocks noChangeAspect="1"/>
+              </p:cNvPicPr>
+              <p:nvPr/>
+            </p:nvPicPr>
+            <p:blipFill rotWithShape="1">
+              <a:blip r:embed="rId2">
+                <a:extLst>
+                  <a:ext uri="{28A0092B-C50C-407E-A947-70E740481C1C}">
+                    <a14:useLocalDpi xmlns:a14="http://schemas.microsoft.com/office/drawing/2010/main" val="0"/>
+                  </a:ext>
+                </a:extLst>
+              </a:blip>
+              <a:srcRect l="29194" r="29159"/>
+              <a:stretch/>
+            </p:blipFill>
+            <p:spPr>
+              <a:xfrm>
+                <a:off x="3103684" y="0"/>
+                <a:ext cx="3543300" cy="6858000"/>
+              </a:xfrm>
+              <a:prstGeom prst="rect">
+                <a:avLst/>
+              </a:prstGeom>
+            </p:spPr>
+          </p:pic>
+          <p:pic>
+            <p:nvPicPr>
+              <p:cNvPr id="4" name="Picture 3"/>
+              <p:cNvPicPr>
+                <a:picLocks noChangeAspect="1"/>
+              </p:cNvPicPr>
+              <p:nvPr/>
+            </p:nvPicPr>
+            <p:blipFill rotWithShape="1">
+              <a:blip r:embed="rId3">
+                <a:extLst>
+                  <a:ext uri="{28A0092B-C50C-407E-A947-70E740481C1C}">
+                    <a14:useLocalDpi xmlns:a14="http://schemas.microsoft.com/office/drawing/2010/main" val="0"/>
+                  </a:ext>
+                </a:extLst>
+              </a:blip>
+              <a:srcRect l="29297" r="29056"/>
+              <a:stretch/>
+            </p:blipFill>
+            <p:spPr>
+              <a:xfrm>
+                <a:off x="-439616" y="0"/>
+                <a:ext cx="3543300" cy="6858000"/>
+              </a:xfrm>
+              <a:prstGeom prst="rect">
+                <a:avLst/>
+              </a:prstGeom>
+            </p:spPr>
+          </p:pic>
+          <p:pic>
+            <p:nvPicPr>
+              <p:cNvPr id="2" name="Picture 1"/>
+              <p:cNvPicPr>
+                <a:picLocks noChangeAspect="1"/>
+              </p:cNvPicPr>
+              <p:nvPr/>
+            </p:nvPicPr>
+            <p:blipFill rotWithShape="1">
+              <a:blip r:embed="rId4">
+                <a:extLst>
+                  <a:ext uri="{28A0092B-C50C-407E-A947-70E740481C1C}">
+                    <a14:useLocalDpi xmlns:a14="http://schemas.microsoft.com/office/drawing/2010/main" val="0"/>
+                  </a:ext>
+                </a:extLst>
+              </a:blip>
+              <a:srcRect l="36482" r="29788"/>
+              <a:stretch/>
+            </p:blipFill>
+            <p:spPr>
+              <a:xfrm>
+                <a:off x="6646985" y="0"/>
+                <a:ext cx="2869804" cy="6858000"/>
+              </a:xfrm>
+              <a:prstGeom prst="rect">
+                <a:avLst/>
+              </a:prstGeom>
+            </p:spPr>
+          </p:pic>
+        </p:grpSp>
+        <p:cxnSp>
+          <p:nvCxnSpPr>
+            <p:cNvPr id="7" name="Straight Connector 6"/>
+            <p:cNvCxnSpPr/>
+            <p:nvPr/>
+          </p:nvCxnSpPr>
+          <p:spPr>
+            <a:xfrm flipH="1">
+              <a:off x="2930770" y="2215662"/>
+              <a:ext cx="832339" cy="360484"/>
+            </a:xfrm>
+            <a:prstGeom prst="line">
+              <a:avLst/>
+            </a:prstGeom>
+            <a:ln w="38100">
+              <a:solidFill>
+                <a:srgbClr val="FF0000"/>
+              </a:solidFill>
+            </a:ln>
+          </p:spPr>
+          <p:style>
+            <a:lnRef idx="1">
+              <a:schemeClr val="accent1"/>
+            </a:lnRef>
+            <a:fillRef idx="0">
+              <a:schemeClr val="accent1"/>
+            </a:fillRef>
+            <a:effectRef idx="0">
+              <a:schemeClr val="accent1"/>
+            </a:effectRef>
+            <a:fontRef idx="minor">
+              <a:schemeClr val="tx1"/>
+            </a:fontRef>
+          </p:style>
+        </p:cxnSp>
+        <p:cxnSp>
+          <p:nvCxnSpPr>
+            <p:cNvPr id="8" name="Straight Connector 7"/>
+            <p:cNvCxnSpPr/>
+            <p:nvPr/>
+          </p:nvCxnSpPr>
+          <p:spPr>
+            <a:xfrm flipH="1" flipV="1">
+              <a:off x="2930770" y="3130061"/>
+              <a:ext cx="796082" cy="422033"/>
+            </a:xfrm>
+            <a:prstGeom prst="line">
+              <a:avLst/>
+            </a:prstGeom>
+            <a:ln w="38100">
+              <a:solidFill>
+                <a:srgbClr val="FF0000"/>
+              </a:solidFill>
+            </a:ln>
+          </p:spPr>
+          <p:style>
+            <a:lnRef idx="1">
+              <a:schemeClr val="accent1"/>
+            </a:lnRef>
+            <a:fillRef idx="0">
+              <a:schemeClr val="accent1"/>
+            </a:fillRef>
+            <a:effectRef idx="0">
+              <a:schemeClr val="accent1"/>
+            </a:effectRef>
+            <a:fontRef idx="minor">
+              <a:schemeClr val="tx1"/>
+            </a:fontRef>
+          </p:style>
+        </p:cxnSp>
+        <p:sp>
+          <p:nvSpPr>
+            <p:cNvPr id="14" name="Arc 13"/>
+            <p:cNvSpPr/>
+            <p:nvPr/>
+          </p:nvSpPr>
+          <p:spPr>
+            <a:xfrm rot="2878330">
+              <a:off x="2172169" y="2289686"/>
+              <a:ext cx="1148159" cy="1033065"/>
+            </a:xfrm>
+            <a:prstGeom prst="arc">
+              <a:avLst>
+                <a:gd name="adj1" fmla="val 16313183"/>
+                <a:gd name="adj2" fmla="val 0"/>
+              </a:avLst>
+            </a:prstGeom>
+            <a:ln w="38100">
+              <a:solidFill>
+                <a:srgbClr val="FF0000"/>
+              </a:solidFill>
+              <a:headEnd type="triangle" w="med" len="med"/>
+              <a:tailEnd type="none" w="med" len="med"/>
+            </a:ln>
+          </p:spPr>
+          <p:style>
+            <a:lnRef idx="1">
+              <a:schemeClr val="accent1"/>
+            </a:lnRef>
+            <a:fillRef idx="0">
+              <a:schemeClr val="accent1"/>
+            </a:fillRef>
+            <a:effectRef idx="0">
+              <a:schemeClr val="accent1"/>
+            </a:effectRef>
+            <a:fontRef idx="minor">
+              <a:schemeClr val="tx1"/>
+            </a:fontRef>
+          </p:style>
+          <p:txBody>
+            <a:bodyPr rtlCol="0" anchor="ctr"/>
+            <a:lstStyle/>
+            <a:p>
+              <a:pPr algn="ctr"/>
+              <a:endParaRPr lang="en-US"/>
+            </a:p>
+          </p:txBody>
+        </p:sp>
+      </p:grpSp>
+    </p:spTree>
+    <p:extLst>
+      <p:ext uri="{BB962C8B-B14F-4D97-AF65-F5344CB8AC3E}">
+        <p14:creationId xmlns:p14="http://schemas.microsoft.com/office/powerpoint/2010/main" val="1721787053"/>
+      </p:ext>
+    </p:extLst>
+  </p:cSld>
+  <p:clrMapOvr>
+    <a:masterClrMapping/>
+  </p:clrMapOvr>
+</p:sld>
+</file>
+
+<file path=ppt/slides/slide2.xml><?xml version="1.0" encoding="utf-8"?>
+<p:sld xmlns:a="http://schemas.openxmlformats.org/drawingml/2006/main" xmlns:r="http://schemas.openxmlformats.org/officeDocument/2006/relationships" xmlns:p="http://schemas.openxmlformats.org/presentationml/2006/main">
+  <p:cSld>
+    <p:spTree>
+      <p:nvGrpSpPr>
+        <p:cNvPr id="1" name=""/>
+        <p:cNvGrpSpPr/>
+        <p:nvPr/>
+      </p:nvGrpSpPr>
+      <p:grpSpPr>
+        <a:xfrm>
+          <a:off x="0" y="0"/>
+          <a:ext cx="0" cy="0"/>
+          <a:chOff x="0" y="0"/>
+          <a:chExt cx="0" cy="0"/>
+        </a:xfrm>
+      </p:grpSpPr>
+      <p:grpSp>
+        <p:nvGrpSpPr>
+          <p:cNvPr id="5" name="Group 4"/>
+          <p:cNvGrpSpPr/>
+          <p:nvPr/>
+        </p:nvGrpSpPr>
+        <p:grpSpPr>
+          <a:xfrm>
+            <a:off x="2141586" y="150000"/>
+            <a:ext cx="8208828" cy="6858000"/>
+            <a:chOff x="2141586" y="150000"/>
+            <a:chExt cx="8208828" cy="6858000"/>
           </a:xfrm>
         </p:grpSpPr>
         <p:pic>
           <p:nvPicPr>
-            <p:cNvPr id="3" name="Picture 2"/>
+            <p:cNvPr id="2" name="Picture 1"/>
             <p:cNvPicPr>
               <a:picLocks noChangeAspect="1"/>
             </p:cNvPicPr>
@@ -3001,13 +3270,42 @@
                 </a:ext>
               </a:extLst>
             </a:blip>
-            <a:srcRect l="29194" r="29159"/>
+            <a:srcRect l="34132" r="34132"/>
             <a:stretch/>
           </p:blipFill>
           <p:spPr>
             <a:xfrm>
-              <a:off x="3103684" y="0"/>
-              <a:ext cx="3543300" cy="6858000"/>
+              <a:off x="4877862" y="150000"/>
+              <a:ext cx="2736276" cy="6858000"/>
+            </a:xfrm>
+            <a:prstGeom prst="rect">
+              <a:avLst/>
+            </a:prstGeom>
+          </p:spPr>
+        </p:pic>
+        <p:pic>
+          <p:nvPicPr>
+            <p:cNvPr id="3" name="Picture 2"/>
+            <p:cNvPicPr>
+              <a:picLocks noChangeAspect="1"/>
+            </p:cNvPicPr>
+            <p:nvPr/>
+          </p:nvPicPr>
+          <p:blipFill rotWithShape="1">
+            <a:blip r:embed="rId3">
+              <a:extLst>
+                <a:ext uri="{28A0092B-C50C-407E-A947-70E740481C1C}">
+                  <a14:useLocalDpi xmlns:a14="http://schemas.microsoft.com/office/drawing/2010/main" val="0"/>
+                </a:ext>
+              </a:extLst>
+            </a:blip>
+            <a:srcRect l="34132" r="34132"/>
+            <a:stretch/>
+          </p:blipFill>
+          <p:spPr>
+            <a:xfrm>
+              <a:off x="7614138" y="150000"/>
+              <a:ext cx="2736276" cy="6858000"/>
             </a:xfrm>
             <a:prstGeom prst="rect">
               <a:avLst/>
@@ -3023,29 +3321,1721 @@
             <p:nvPr/>
           </p:nvPicPr>
           <p:blipFill rotWithShape="1">
-            <a:blip r:embed="rId3">
+            <a:blip r:embed="rId4">
               <a:extLst>
                 <a:ext uri="{28A0092B-C50C-407E-A947-70E740481C1C}">
                   <a14:useLocalDpi xmlns:a14="http://schemas.microsoft.com/office/drawing/2010/main" val="0"/>
                 </a:ext>
               </a:extLst>
             </a:blip>
-            <a:srcRect l="29297" r="29056"/>
+            <a:srcRect l="35050" r="33214"/>
             <a:stretch/>
           </p:blipFill>
           <p:spPr>
             <a:xfrm>
-              <a:off x="-439616" y="0"/>
-              <a:ext cx="3543300" cy="6858000"/>
+              <a:off x="2141586" y="150000"/>
+              <a:ext cx="2736276" cy="6858000"/>
             </a:xfrm>
             <a:prstGeom prst="rect">
               <a:avLst/>
             </a:prstGeom>
           </p:spPr>
         </p:pic>
+      </p:grpSp>
+    </p:spTree>
+    <p:extLst>
+      <p:ext uri="{BB962C8B-B14F-4D97-AF65-F5344CB8AC3E}">
+        <p14:creationId xmlns:p14="http://schemas.microsoft.com/office/powerpoint/2010/main" val="1834563187"/>
+      </p:ext>
+    </p:extLst>
+  </p:cSld>
+  <p:clrMapOvr>
+    <a:masterClrMapping/>
+  </p:clrMapOvr>
+</p:sld>
+</file>
+
+<file path=ppt/slides/slide3.xml><?xml version="1.0" encoding="utf-8"?>
+<p:sld xmlns:a="http://schemas.openxmlformats.org/drawingml/2006/main" xmlns:r="http://schemas.openxmlformats.org/officeDocument/2006/relationships" xmlns:p="http://schemas.openxmlformats.org/presentationml/2006/main">
+  <p:cSld>
+    <p:spTree>
+      <p:nvGrpSpPr>
+        <p:cNvPr id="1" name=""/>
+        <p:cNvGrpSpPr/>
+        <p:nvPr/>
+      </p:nvGrpSpPr>
+      <p:grpSpPr>
+        <a:xfrm>
+          <a:off x="0" y="0"/>
+          <a:ext cx="0" cy="0"/>
+          <a:chOff x="0" y="0"/>
+          <a:chExt cx="0" cy="0"/>
+        </a:xfrm>
+      </p:grpSpPr>
+      <p:grpSp>
+        <p:nvGrpSpPr>
+          <p:cNvPr id="75" name="Group 74"/>
+          <p:cNvGrpSpPr/>
+          <p:nvPr/>
+        </p:nvGrpSpPr>
+        <p:grpSpPr>
+          <a:xfrm>
+            <a:off x="2261299" y="281106"/>
+            <a:ext cx="8799179" cy="6895582"/>
+            <a:chOff x="2261299" y="281106"/>
+            <a:chExt cx="8799179" cy="6895582"/>
+          </a:xfrm>
+        </p:grpSpPr>
+        <p:grpSp>
+          <p:nvGrpSpPr>
+            <p:cNvPr id="4" name="Group 3"/>
+            <p:cNvGrpSpPr/>
+            <p:nvPr/>
+          </p:nvGrpSpPr>
+          <p:grpSpPr>
+            <a:xfrm>
+              <a:off x="2261299" y="4795694"/>
+              <a:ext cx="1556239" cy="764931"/>
+              <a:chOff x="1037492" y="896815"/>
+              <a:chExt cx="1556239" cy="764931"/>
+            </a:xfrm>
+          </p:grpSpPr>
+          <p:sp>
+            <p:nvSpPr>
+              <p:cNvPr id="2" name="Rectangle 1"/>
+              <p:cNvSpPr/>
+              <p:nvPr/>
+            </p:nvSpPr>
+            <p:spPr>
+              <a:xfrm>
+                <a:off x="1037492" y="896815"/>
+                <a:ext cx="1556239" cy="764931"/>
+              </a:xfrm>
+              <a:prstGeom prst="rect">
+                <a:avLst/>
+              </a:prstGeom>
+              <a:noFill/>
+              <a:ln w="76200">
+                <a:solidFill>
+                  <a:schemeClr val="tx1"/>
+                </a:solidFill>
+              </a:ln>
+            </p:spPr>
+            <p:style>
+              <a:lnRef idx="2">
+                <a:schemeClr val="accent1">
+                  <a:shade val="50000"/>
+                </a:schemeClr>
+              </a:lnRef>
+              <a:fillRef idx="1">
+                <a:schemeClr val="accent1"/>
+              </a:fillRef>
+              <a:effectRef idx="0">
+                <a:schemeClr val="accent1"/>
+              </a:effectRef>
+              <a:fontRef idx="minor">
+                <a:schemeClr val="lt1"/>
+              </a:fontRef>
+            </p:style>
+            <p:txBody>
+              <a:bodyPr rtlCol="0" anchor="ctr"/>
+              <a:lstStyle/>
+              <a:p>
+                <a:pPr algn="ctr"/>
+                <a:endParaRPr lang="en-US"/>
+              </a:p>
+            </p:txBody>
+          </p:sp>
+          <p:sp>
+            <p:nvSpPr>
+              <p:cNvPr id="3" name="TextBox 2"/>
+              <p:cNvSpPr txBox="1"/>
+              <p:nvPr/>
+            </p:nvSpPr>
+            <p:spPr>
+              <a:xfrm>
+                <a:off x="1037492" y="956114"/>
+                <a:ext cx="1556239" cy="646331"/>
+              </a:xfrm>
+              <a:prstGeom prst="rect">
+                <a:avLst/>
+              </a:prstGeom>
+              <a:noFill/>
+            </p:spPr>
+            <p:txBody>
+              <a:bodyPr wrap="square" rtlCol="0">
+                <a:spAutoFit/>
+              </a:bodyPr>
+              <a:lstStyle/>
+              <a:p>
+                <a:pPr algn="ctr"/>
+                <a:r>
+                  <a:rPr lang="en-US" dirty="0" smtClean="0"/>
+                  <a:t>CT scan segmentations</a:t>
+                </a:r>
+                <a:endParaRPr lang="en-US" dirty="0"/>
+              </a:p>
+            </p:txBody>
+          </p:sp>
+        </p:grpSp>
+        <p:grpSp>
+          <p:nvGrpSpPr>
+            <p:cNvPr id="7" name="Group 6"/>
+            <p:cNvGrpSpPr/>
+            <p:nvPr/>
+          </p:nvGrpSpPr>
+          <p:grpSpPr>
+            <a:xfrm>
+              <a:off x="2393185" y="1593529"/>
+              <a:ext cx="1292469" cy="1292470"/>
+              <a:chOff x="3349869" y="668215"/>
+              <a:chExt cx="1292469" cy="1292470"/>
+            </a:xfrm>
+          </p:grpSpPr>
+          <p:sp>
+            <p:nvSpPr>
+              <p:cNvPr id="5" name="Oval 4"/>
+              <p:cNvSpPr>
+                <a:spLocks noChangeAspect="1"/>
+              </p:cNvSpPr>
+              <p:nvPr/>
+            </p:nvSpPr>
+            <p:spPr>
+              <a:xfrm>
+                <a:off x="3349869" y="668215"/>
+                <a:ext cx="1292469" cy="1292470"/>
+              </a:xfrm>
+              <a:prstGeom prst="ellipse">
+                <a:avLst/>
+              </a:prstGeom>
+              <a:noFill/>
+              <a:ln w="76200">
+                <a:solidFill>
+                  <a:schemeClr val="tx1"/>
+                </a:solidFill>
+              </a:ln>
+            </p:spPr>
+            <p:style>
+              <a:lnRef idx="2">
+                <a:schemeClr val="accent1">
+                  <a:shade val="50000"/>
+                </a:schemeClr>
+              </a:lnRef>
+              <a:fillRef idx="1">
+                <a:schemeClr val="accent1"/>
+              </a:fillRef>
+              <a:effectRef idx="0">
+                <a:schemeClr val="accent1"/>
+              </a:effectRef>
+              <a:fontRef idx="minor">
+                <a:schemeClr val="lt1"/>
+              </a:fontRef>
+            </p:style>
+            <p:txBody>
+              <a:bodyPr rtlCol="0" anchor="ctr"/>
+              <a:lstStyle/>
+              <a:p>
+                <a:pPr algn="ctr"/>
+                <a:endParaRPr lang="en-US"/>
+              </a:p>
+            </p:txBody>
+          </p:sp>
+          <p:sp>
+            <p:nvSpPr>
+              <p:cNvPr id="6" name="TextBox 5"/>
+              <p:cNvSpPr txBox="1"/>
+              <p:nvPr/>
+            </p:nvSpPr>
+            <p:spPr>
+              <a:xfrm>
+                <a:off x="3364123" y="817615"/>
+                <a:ext cx="1263960" cy="923330"/>
+              </a:xfrm>
+              <a:prstGeom prst="rect">
+                <a:avLst/>
+              </a:prstGeom>
+              <a:noFill/>
+            </p:spPr>
+            <p:txBody>
+              <a:bodyPr wrap="square" rtlCol="0">
+                <a:spAutoFit/>
+              </a:bodyPr>
+              <a:lstStyle/>
+              <a:p>
+                <a:pPr algn="ctr"/>
+                <a:r>
+                  <a:rPr lang="en-US" dirty="0" smtClean="0"/>
+                  <a:t>Locate transverse processes</a:t>
+                </a:r>
+                <a:endParaRPr lang="en-US" dirty="0"/>
+              </a:p>
+            </p:txBody>
+          </p:sp>
+        </p:grpSp>
+        <p:grpSp>
+          <p:nvGrpSpPr>
+            <p:cNvPr id="8" name="Group 7"/>
+            <p:cNvGrpSpPr/>
+            <p:nvPr/>
+          </p:nvGrpSpPr>
+          <p:grpSpPr>
+            <a:xfrm>
+              <a:off x="4242323" y="1857846"/>
+              <a:ext cx="2050615" cy="764931"/>
+              <a:chOff x="1037492" y="896815"/>
+              <a:chExt cx="1556239" cy="764931"/>
+            </a:xfrm>
+          </p:grpSpPr>
+          <p:sp>
+            <p:nvSpPr>
+              <p:cNvPr id="9" name="Rectangle 8"/>
+              <p:cNvSpPr/>
+              <p:nvPr/>
+            </p:nvSpPr>
+            <p:spPr>
+              <a:xfrm>
+                <a:off x="1037492" y="896815"/>
+                <a:ext cx="1556239" cy="764931"/>
+              </a:xfrm>
+              <a:prstGeom prst="rect">
+                <a:avLst/>
+              </a:prstGeom>
+              <a:noFill/>
+              <a:ln w="76200">
+                <a:solidFill>
+                  <a:schemeClr val="tx1"/>
+                </a:solidFill>
+              </a:ln>
+            </p:spPr>
+            <p:style>
+              <a:lnRef idx="2">
+                <a:schemeClr val="accent1">
+                  <a:shade val="50000"/>
+                </a:schemeClr>
+              </a:lnRef>
+              <a:fillRef idx="1">
+                <a:schemeClr val="accent1"/>
+              </a:fillRef>
+              <a:effectRef idx="0">
+                <a:schemeClr val="accent1"/>
+              </a:effectRef>
+              <a:fontRef idx="minor">
+                <a:schemeClr val="lt1"/>
+              </a:fontRef>
+            </p:style>
+            <p:txBody>
+              <a:bodyPr rtlCol="0" anchor="ctr"/>
+              <a:lstStyle/>
+              <a:p>
+                <a:pPr algn="ctr"/>
+                <a:endParaRPr lang="en-US"/>
+              </a:p>
+            </p:txBody>
+          </p:sp>
+          <p:sp>
+            <p:nvSpPr>
+              <p:cNvPr id="10" name="TextBox 9"/>
+              <p:cNvSpPr txBox="1"/>
+              <p:nvPr/>
+            </p:nvSpPr>
+            <p:spPr>
+              <a:xfrm>
+                <a:off x="1037492" y="956114"/>
+                <a:ext cx="1556239" cy="646331"/>
+              </a:xfrm>
+              <a:prstGeom prst="rect">
+                <a:avLst/>
+              </a:prstGeom>
+              <a:noFill/>
+            </p:spPr>
+            <p:txBody>
+              <a:bodyPr wrap="square" rtlCol="0">
+                <a:spAutoFit/>
+              </a:bodyPr>
+              <a:lstStyle/>
+              <a:p>
+                <a:pPr algn="ctr"/>
+                <a:r>
+                  <a:rPr lang="en-US" dirty="0" smtClean="0"/>
+                  <a:t>Original transverse process locations</a:t>
+                </a:r>
+                <a:endParaRPr lang="en-US" dirty="0"/>
+              </a:p>
+            </p:txBody>
+          </p:sp>
+        </p:grpSp>
+        <p:grpSp>
+          <p:nvGrpSpPr>
+            <p:cNvPr id="11" name="Group 10"/>
+            <p:cNvGrpSpPr/>
+            <p:nvPr/>
+          </p:nvGrpSpPr>
+          <p:grpSpPr>
+            <a:xfrm>
+              <a:off x="9157637" y="284598"/>
+              <a:ext cx="1902841" cy="764931"/>
+              <a:chOff x="963861" y="896815"/>
+              <a:chExt cx="1556239" cy="764931"/>
+            </a:xfrm>
+          </p:grpSpPr>
+          <p:sp>
+            <p:nvSpPr>
+              <p:cNvPr id="12" name="Rectangle 11"/>
+              <p:cNvSpPr/>
+              <p:nvPr/>
+            </p:nvSpPr>
+            <p:spPr>
+              <a:xfrm>
+                <a:off x="963861" y="896815"/>
+                <a:ext cx="1556239" cy="764931"/>
+              </a:xfrm>
+              <a:prstGeom prst="rect">
+                <a:avLst/>
+              </a:prstGeom>
+              <a:noFill/>
+              <a:ln w="76200">
+                <a:solidFill>
+                  <a:schemeClr val="tx1"/>
+                </a:solidFill>
+              </a:ln>
+            </p:spPr>
+            <p:style>
+              <a:lnRef idx="2">
+                <a:schemeClr val="accent1">
+                  <a:shade val="50000"/>
+                </a:schemeClr>
+              </a:lnRef>
+              <a:fillRef idx="1">
+                <a:schemeClr val="accent1"/>
+              </a:fillRef>
+              <a:effectRef idx="0">
+                <a:schemeClr val="accent1"/>
+              </a:effectRef>
+              <a:fontRef idx="minor">
+                <a:schemeClr val="lt1"/>
+              </a:fontRef>
+            </p:style>
+            <p:txBody>
+              <a:bodyPr rtlCol="0" anchor="ctr"/>
+              <a:lstStyle/>
+              <a:p>
+                <a:pPr algn="ctr"/>
+                <a:endParaRPr lang="en-US"/>
+              </a:p>
+            </p:txBody>
+          </p:sp>
+          <p:sp>
+            <p:nvSpPr>
+              <p:cNvPr id="13" name="TextBox 12"/>
+              <p:cNvSpPr txBox="1"/>
+              <p:nvPr/>
+            </p:nvSpPr>
+            <p:spPr>
+              <a:xfrm>
+                <a:off x="1066729" y="956114"/>
+                <a:ext cx="1350505" cy="646331"/>
+              </a:xfrm>
+              <a:prstGeom prst="rect">
+                <a:avLst/>
+              </a:prstGeom>
+              <a:noFill/>
+            </p:spPr>
+            <p:txBody>
+              <a:bodyPr wrap="square" rtlCol="0">
+                <a:spAutoFit/>
+              </a:bodyPr>
+              <a:lstStyle/>
+              <a:p>
+                <a:pPr algn="ctr"/>
+                <a:r>
+                  <a:rPr lang="en-US" dirty="0" smtClean="0"/>
+                  <a:t>Healthy-shaped model</a:t>
+                </a:r>
+                <a:endParaRPr lang="en-US" dirty="0"/>
+              </a:p>
+            </p:txBody>
+          </p:sp>
+        </p:grpSp>
+        <p:grpSp>
+          <p:nvGrpSpPr>
+            <p:cNvPr id="14" name="Group 13"/>
+            <p:cNvGrpSpPr/>
+            <p:nvPr/>
+          </p:nvGrpSpPr>
+          <p:grpSpPr>
+            <a:xfrm>
+              <a:off x="5971705" y="3070698"/>
+              <a:ext cx="1292469" cy="1292470"/>
+              <a:chOff x="3349869" y="668215"/>
+              <a:chExt cx="1292469" cy="1292470"/>
+            </a:xfrm>
+          </p:grpSpPr>
+          <p:sp>
+            <p:nvSpPr>
+              <p:cNvPr id="15" name="Oval 14"/>
+              <p:cNvSpPr>
+                <a:spLocks noChangeAspect="1"/>
+              </p:cNvSpPr>
+              <p:nvPr/>
+            </p:nvSpPr>
+            <p:spPr>
+              <a:xfrm>
+                <a:off x="3349869" y="668215"/>
+                <a:ext cx="1292469" cy="1292470"/>
+              </a:xfrm>
+              <a:prstGeom prst="ellipse">
+                <a:avLst/>
+              </a:prstGeom>
+              <a:noFill/>
+              <a:ln w="76200">
+                <a:solidFill>
+                  <a:schemeClr val="tx1"/>
+                </a:solidFill>
+              </a:ln>
+            </p:spPr>
+            <p:style>
+              <a:lnRef idx="2">
+                <a:schemeClr val="accent1">
+                  <a:shade val="50000"/>
+                </a:schemeClr>
+              </a:lnRef>
+              <a:fillRef idx="1">
+                <a:schemeClr val="accent1"/>
+              </a:fillRef>
+              <a:effectRef idx="0">
+                <a:schemeClr val="accent1"/>
+              </a:effectRef>
+              <a:fontRef idx="minor">
+                <a:schemeClr val="lt1"/>
+              </a:fontRef>
+            </p:style>
+            <p:txBody>
+              <a:bodyPr rtlCol="0" anchor="ctr"/>
+              <a:lstStyle/>
+              <a:p>
+                <a:pPr algn="ctr"/>
+                <a:endParaRPr lang="en-US"/>
+              </a:p>
+            </p:txBody>
+          </p:sp>
+          <p:sp>
+            <p:nvSpPr>
+              <p:cNvPr id="16" name="TextBox 15"/>
+              <p:cNvSpPr txBox="1"/>
+              <p:nvPr/>
+            </p:nvSpPr>
+            <p:spPr>
+              <a:xfrm>
+                <a:off x="3364123" y="714286"/>
+                <a:ext cx="1263960" cy="1200329"/>
+              </a:xfrm>
+              <a:prstGeom prst="rect">
+                <a:avLst/>
+              </a:prstGeom>
+              <a:noFill/>
+            </p:spPr>
+            <p:txBody>
+              <a:bodyPr wrap="square" rtlCol="0">
+                <a:spAutoFit/>
+              </a:bodyPr>
+              <a:lstStyle/>
+              <a:p>
+                <a:pPr algn="ctr"/>
+                <a:r>
+                  <a:rPr lang="en-US" dirty="0" smtClean="0"/>
+                  <a:t>Make sparse landmark sets</a:t>
+                </a:r>
+                <a:endParaRPr lang="en-US" dirty="0"/>
+              </a:p>
+            </p:txBody>
+          </p:sp>
+        </p:grpSp>
+        <p:grpSp>
+          <p:nvGrpSpPr>
+            <p:cNvPr id="17" name="Group 16"/>
+            <p:cNvGrpSpPr/>
+            <p:nvPr/>
+          </p:nvGrpSpPr>
+          <p:grpSpPr>
+            <a:xfrm>
+              <a:off x="5971704" y="281106"/>
+              <a:ext cx="1292469" cy="1292470"/>
+              <a:chOff x="3349869" y="668215"/>
+              <a:chExt cx="1292469" cy="1292470"/>
+            </a:xfrm>
+          </p:grpSpPr>
+          <p:sp>
+            <p:nvSpPr>
+              <p:cNvPr id="18" name="Oval 17"/>
+              <p:cNvSpPr>
+                <a:spLocks noChangeAspect="1"/>
+              </p:cNvSpPr>
+              <p:nvPr/>
+            </p:nvSpPr>
+            <p:spPr>
+              <a:xfrm>
+                <a:off x="3349869" y="668215"/>
+                <a:ext cx="1292469" cy="1292470"/>
+              </a:xfrm>
+              <a:prstGeom prst="ellipse">
+                <a:avLst/>
+              </a:prstGeom>
+              <a:noFill/>
+              <a:ln w="76200">
+                <a:solidFill>
+                  <a:schemeClr val="tx1"/>
+                </a:solidFill>
+              </a:ln>
+            </p:spPr>
+            <p:style>
+              <a:lnRef idx="2">
+                <a:schemeClr val="accent1">
+                  <a:shade val="50000"/>
+                </a:schemeClr>
+              </a:lnRef>
+              <a:fillRef idx="1">
+                <a:schemeClr val="accent1"/>
+              </a:fillRef>
+              <a:effectRef idx="0">
+                <a:schemeClr val="accent1"/>
+              </a:effectRef>
+              <a:fontRef idx="minor">
+                <a:schemeClr val="lt1"/>
+              </a:fontRef>
+            </p:style>
+            <p:txBody>
+              <a:bodyPr rtlCol="0" anchor="ctr"/>
+              <a:lstStyle/>
+              <a:p>
+                <a:pPr algn="ctr"/>
+                <a:endParaRPr lang="en-US"/>
+              </a:p>
+            </p:txBody>
+          </p:sp>
+          <p:sp>
+            <p:nvSpPr>
+              <p:cNvPr id="19" name="TextBox 18"/>
+              <p:cNvSpPr txBox="1"/>
+              <p:nvPr/>
+            </p:nvSpPr>
+            <p:spPr>
+              <a:xfrm>
+                <a:off x="3378378" y="940920"/>
+                <a:ext cx="1263960" cy="923330"/>
+              </a:xfrm>
+              <a:prstGeom prst="rect">
+                <a:avLst/>
+              </a:prstGeom>
+              <a:noFill/>
+            </p:spPr>
+            <p:txBody>
+              <a:bodyPr wrap="square" rtlCol="0">
+                <a:spAutoFit/>
+              </a:bodyPr>
+              <a:lstStyle/>
+              <a:p>
+                <a:pPr algn="ctr"/>
+                <a:r>
+                  <a:rPr lang="en-US" dirty="0" smtClean="0"/>
+                  <a:t>Make noisy landmark sets</a:t>
+                </a:r>
+                <a:endParaRPr lang="en-US" dirty="0"/>
+              </a:p>
+            </p:txBody>
+          </p:sp>
+        </p:grpSp>
+        <p:grpSp>
+          <p:nvGrpSpPr>
+            <p:cNvPr id="20" name="Group 19"/>
+            <p:cNvGrpSpPr/>
+            <p:nvPr/>
+          </p:nvGrpSpPr>
+          <p:grpSpPr>
+            <a:xfrm>
+              <a:off x="9462824" y="1593529"/>
+              <a:ext cx="1292469" cy="1292470"/>
+              <a:chOff x="3349869" y="668215"/>
+              <a:chExt cx="1292469" cy="1292470"/>
+            </a:xfrm>
+          </p:grpSpPr>
+          <p:sp>
+            <p:nvSpPr>
+              <p:cNvPr id="21" name="Oval 20"/>
+              <p:cNvSpPr>
+                <a:spLocks noChangeAspect="1"/>
+              </p:cNvSpPr>
+              <p:nvPr/>
+            </p:nvSpPr>
+            <p:spPr>
+              <a:xfrm>
+                <a:off x="3349869" y="668215"/>
+                <a:ext cx="1292469" cy="1292470"/>
+              </a:xfrm>
+              <a:prstGeom prst="ellipse">
+                <a:avLst/>
+              </a:prstGeom>
+              <a:noFill/>
+              <a:ln w="76200">
+                <a:solidFill>
+                  <a:schemeClr val="tx1"/>
+                </a:solidFill>
+              </a:ln>
+            </p:spPr>
+            <p:style>
+              <a:lnRef idx="2">
+                <a:schemeClr val="accent1">
+                  <a:shade val="50000"/>
+                </a:schemeClr>
+              </a:lnRef>
+              <a:fillRef idx="1">
+                <a:schemeClr val="accent1"/>
+              </a:fillRef>
+              <a:effectRef idx="0">
+                <a:schemeClr val="accent1"/>
+              </a:effectRef>
+              <a:fontRef idx="minor">
+                <a:schemeClr val="lt1"/>
+              </a:fontRef>
+            </p:style>
+            <p:txBody>
+              <a:bodyPr rtlCol="0" anchor="ctr"/>
+              <a:lstStyle/>
+              <a:p>
+                <a:pPr algn="ctr"/>
+                <a:endParaRPr lang="en-US"/>
+              </a:p>
+            </p:txBody>
+          </p:sp>
+          <p:sp>
+            <p:nvSpPr>
+              <p:cNvPr id="22" name="TextBox 21"/>
+              <p:cNvSpPr txBox="1"/>
+              <p:nvPr/>
+            </p:nvSpPr>
+            <p:spPr>
+              <a:xfrm>
+                <a:off x="3378378" y="991285"/>
+                <a:ext cx="1263960" cy="646331"/>
+              </a:xfrm>
+              <a:prstGeom prst="rect">
+                <a:avLst/>
+              </a:prstGeom>
+              <a:noFill/>
+            </p:spPr>
+            <p:txBody>
+              <a:bodyPr wrap="square" rtlCol="0">
+                <a:spAutoFit/>
+              </a:bodyPr>
+              <a:lstStyle/>
+              <a:p>
+                <a:pPr algn="ctr"/>
+                <a:r>
+                  <a:rPr lang="en-US" dirty="0" smtClean="0"/>
+                  <a:t>Method from [4]</a:t>
+                </a:r>
+                <a:endParaRPr lang="en-US" dirty="0"/>
+              </a:p>
+            </p:txBody>
+          </p:sp>
+        </p:grpSp>
+        <p:grpSp>
+          <p:nvGrpSpPr>
+            <p:cNvPr id="29" name="Group 28"/>
+            <p:cNvGrpSpPr/>
+            <p:nvPr/>
+          </p:nvGrpSpPr>
+          <p:grpSpPr>
+            <a:xfrm>
+              <a:off x="6997012" y="1857298"/>
+              <a:ext cx="1793333" cy="764931"/>
+              <a:chOff x="961348" y="896815"/>
+              <a:chExt cx="1561266" cy="764931"/>
+            </a:xfrm>
+          </p:grpSpPr>
+          <p:sp>
+            <p:nvSpPr>
+              <p:cNvPr id="30" name="Rectangle 29"/>
+              <p:cNvSpPr/>
+              <p:nvPr/>
+            </p:nvSpPr>
+            <p:spPr>
+              <a:xfrm>
+                <a:off x="963861" y="896815"/>
+                <a:ext cx="1556239" cy="764931"/>
+              </a:xfrm>
+              <a:prstGeom prst="rect">
+                <a:avLst/>
+              </a:prstGeom>
+              <a:noFill/>
+              <a:ln w="76200">
+                <a:solidFill>
+                  <a:schemeClr val="tx1"/>
+                </a:solidFill>
+              </a:ln>
+            </p:spPr>
+            <p:style>
+              <a:lnRef idx="2">
+                <a:schemeClr val="accent1">
+                  <a:shade val="50000"/>
+                </a:schemeClr>
+              </a:lnRef>
+              <a:fillRef idx="1">
+                <a:schemeClr val="accent1"/>
+              </a:fillRef>
+              <a:effectRef idx="0">
+                <a:schemeClr val="accent1"/>
+              </a:effectRef>
+              <a:fontRef idx="minor">
+                <a:schemeClr val="lt1"/>
+              </a:fontRef>
+            </p:style>
+            <p:txBody>
+              <a:bodyPr rtlCol="0" anchor="ctr"/>
+              <a:lstStyle/>
+              <a:p>
+                <a:pPr algn="ctr"/>
+                <a:endParaRPr lang="en-US"/>
+              </a:p>
+            </p:txBody>
+          </p:sp>
+          <p:sp>
+            <p:nvSpPr>
+              <p:cNvPr id="31" name="TextBox 30"/>
+              <p:cNvSpPr txBox="1"/>
+              <p:nvPr/>
+            </p:nvSpPr>
+            <p:spPr>
+              <a:xfrm>
+                <a:off x="961348" y="956115"/>
+                <a:ext cx="1561266" cy="646331"/>
+              </a:xfrm>
+              <a:prstGeom prst="rect">
+                <a:avLst/>
+              </a:prstGeom>
+              <a:noFill/>
+            </p:spPr>
+            <p:txBody>
+              <a:bodyPr wrap="square" rtlCol="0">
+                <a:spAutoFit/>
+              </a:bodyPr>
+              <a:lstStyle/>
+              <a:p>
+                <a:pPr algn="ctr"/>
+                <a:r>
+                  <a:rPr lang="en-US" dirty="0" smtClean="0"/>
+                  <a:t>All transverse process locations</a:t>
+                </a:r>
+                <a:endParaRPr lang="en-US" dirty="0"/>
+              </a:p>
+            </p:txBody>
+          </p:sp>
+        </p:grpSp>
+        <p:cxnSp>
+          <p:nvCxnSpPr>
+            <p:cNvPr id="32" name="Straight Arrow Connector 31"/>
+            <p:cNvCxnSpPr>
+              <a:stCxn id="5" idx="6"/>
+              <a:endCxn id="9" idx="1"/>
+            </p:cNvCxnSpPr>
+            <p:nvPr/>
+          </p:nvCxnSpPr>
+          <p:spPr>
+            <a:xfrm>
+              <a:off x="3685654" y="2239764"/>
+              <a:ext cx="556669" cy="548"/>
+            </a:xfrm>
+            <a:prstGeom prst="straightConnector1">
+              <a:avLst/>
+            </a:prstGeom>
+            <a:ln w="76200">
+              <a:solidFill>
+                <a:schemeClr val="tx1"/>
+              </a:solidFill>
+              <a:tailEnd type="triangle"/>
+            </a:ln>
+          </p:spPr>
+          <p:style>
+            <a:lnRef idx="1">
+              <a:schemeClr val="accent1"/>
+            </a:lnRef>
+            <a:fillRef idx="0">
+              <a:schemeClr val="accent1"/>
+            </a:fillRef>
+            <a:effectRef idx="0">
+              <a:schemeClr val="accent1"/>
+            </a:effectRef>
+            <a:fontRef idx="minor">
+              <a:schemeClr val="tx1"/>
+            </a:fontRef>
+          </p:style>
+        </p:cxnSp>
+        <p:cxnSp>
+          <p:nvCxnSpPr>
+            <p:cNvPr id="40" name="Elbow Connector 39"/>
+            <p:cNvCxnSpPr>
+              <a:stCxn id="9" idx="2"/>
+              <a:endCxn id="15" idx="2"/>
+            </p:cNvCxnSpPr>
+            <p:nvPr/>
+          </p:nvCxnSpPr>
+          <p:spPr>
+            <a:xfrm rot="16200000" flipH="1">
+              <a:off x="5072590" y="2817818"/>
+              <a:ext cx="1094156" cy="704074"/>
+            </a:xfrm>
+            <a:prstGeom prst="bentConnector2">
+              <a:avLst/>
+            </a:prstGeom>
+            <a:ln w="76200">
+              <a:solidFill>
+                <a:schemeClr val="tx1"/>
+              </a:solidFill>
+              <a:tailEnd type="triangle"/>
+            </a:ln>
+          </p:spPr>
+          <p:style>
+            <a:lnRef idx="1">
+              <a:schemeClr val="accent1"/>
+            </a:lnRef>
+            <a:fillRef idx="0">
+              <a:schemeClr val="accent1"/>
+            </a:fillRef>
+            <a:effectRef idx="0">
+              <a:schemeClr val="accent1"/>
+            </a:effectRef>
+            <a:fontRef idx="minor">
+              <a:schemeClr val="tx1"/>
+            </a:fontRef>
+          </p:style>
+        </p:cxnSp>
+        <p:cxnSp>
+          <p:nvCxnSpPr>
+            <p:cNvPr id="42" name="Elbow Connector 41"/>
+            <p:cNvCxnSpPr>
+              <a:stCxn id="9" idx="0"/>
+              <a:endCxn id="18" idx="2"/>
+            </p:cNvCxnSpPr>
+            <p:nvPr/>
+          </p:nvCxnSpPr>
+          <p:spPr>
+            <a:xfrm rot="5400000" flipH="1" flipV="1">
+              <a:off x="5154415" y="1040558"/>
+              <a:ext cx="930505" cy="704073"/>
+            </a:xfrm>
+            <a:prstGeom prst="bentConnector2">
+              <a:avLst/>
+            </a:prstGeom>
+            <a:ln w="76200">
+              <a:solidFill>
+                <a:schemeClr val="tx1"/>
+              </a:solidFill>
+              <a:tailEnd type="triangle"/>
+            </a:ln>
+          </p:spPr>
+          <p:style>
+            <a:lnRef idx="1">
+              <a:schemeClr val="accent1"/>
+            </a:lnRef>
+            <a:fillRef idx="0">
+              <a:schemeClr val="accent1"/>
+            </a:fillRef>
+            <a:effectRef idx="0">
+              <a:schemeClr val="accent1"/>
+            </a:effectRef>
+            <a:fontRef idx="minor">
+              <a:schemeClr val="tx1"/>
+            </a:fontRef>
+          </p:style>
+        </p:cxnSp>
+        <p:cxnSp>
+          <p:nvCxnSpPr>
+            <p:cNvPr id="45" name="Elbow Connector 44"/>
+            <p:cNvCxnSpPr>
+              <a:stCxn id="18" idx="6"/>
+              <a:endCxn id="30" idx="0"/>
+            </p:cNvCxnSpPr>
+            <p:nvPr/>
+          </p:nvCxnSpPr>
+          <p:spPr>
+            <a:xfrm>
+              <a:off x="7264173" y="927341"/>
+              <a:ext cx="629506" cy="929957"/>
+            </a:xfrm>
+            <a:prstGeom prst="bentConnector2">
+              <a:avLst/>
+            </a:prstGeom>
+            <a:ln w="76200">
+              <a:solidFill>
+                <a:schemeClr val="tx1"/>
+              </a:solidFill>
+              <a:tailEnd type="triangle"/>
+            </a:ln>
+          </p:spPr>
+          <p:style>
+            <a:lnRef idx="1">
+              <a:schemeClr val="accent1"/>
+            </a:lnRef>
+            <a:fillRef idx="0">
+              <a:schemeClr val="accent1"/>
+            </a:fillRef>
+            <a:effectRef idx="0">
+              <a:schemeClr val="accent1"/>
+            </a:effectRef>
+            <a:fontRef idx="minor">
+              <a:schemeClr val="tx1"/>
+            </a:fontRef>
+          </p:style>
+        </p:cxnSp>
+        <p:cxnSp>
+          <p:nvCxnSpPr>
+            <p:cNvPr id="47" name="Elbow Connector 46"/>
+            <p:cNvCxnSpPr>
+              <a:stCxn id="15" idx="6"/>
+              <a:endCxn id="30" idx="2"/>
+            </p:cNvCxnSpPr>
+            <p:nvPr/>
+          </p:nvCxnSpPr>
+          <p:spPr>
+            <a:xfrm flipV="1">
+              <a:off x="7264174" y="2622229"/>
+              <a:ext cx="629505" cy="1094704"/>
+            </a:xfrm>
+            <a:prstGeom prst="bentConnector2">
+              <a:avLst/>
+            </a:prstGeom>
+            <a:ln w="76200">
+              <a:solidFill>
+                <a:schemeClr val="tx1"/>
+              </a:solidFill>
+              <a:tailEnd type="triangle"/>
+            </a:ln>
+          </p:spPr>
+          <p:style>
+            <a:lnRef idx="1">
+              <a:schemeClr val="accent1"/>
+            </a:lnRef>
+            <a:fillRef idx="0">
+              <a:schemeClr val="accent1"/>
+            </a:fillRef>
+            <a:effectRef idx="0">
+              <a:schemeClr val="accent1"/>
+            </a:effectRef>
+            <a:fontRef idx="minor">
+              <a:schemeClr val="tx1"/>
+            </a:fontRef>
+          </p:style>
+        </p:cxnSp>
+        <p:cxnSp>
+          <p:nvCxnSpPr>
+            <p:cNvPr id="49" name="Straight Arrow Connector 48"/>
+            <p:cNvCxnSpPr>
+              <a:stCxn id="9" idx="3"/>
+              <a:endCxn id="31" idx="1"/>
+            </p:cNvCxnSpPr>
+            <p:nvPr/>
+          </p:nvCxnSpPr>
+          <p:spPr>
+            <a:xfrm flipV="1">
+              <a:off x="6292938" y="2239764"/>
+              <a:ext cx="704074" cy="548"/>
+            </a:xfrm>
+            <a:prstGeom prst="straightConnector1">
+              <a:avLst/>
+            </a:prstGeom>
+            <a:ln w="76200">
+              <a:solidFill>
+                <a:schemeClr val="tx1"/>
+              </a:solidFill>
+              <a:tailEnd type="triangle"/>
+            </a:ln>
+          </p:spPr>
+          <p:style>
+            <a:lnRef idx="1">
+              <a:schemeClr val="accent1"/>
+            </a:lnRef>
+            <a:fillRef idx="0">
+              <a:schemeClr val="accent1"/>
+            </a:fillRef>
+            <a:effectRef idx="0">
+              <a:schemeClr val="accent1"/>
+            </a:effectRef>
+            <a:fontRef idx="minor">
+              <a:schemeClr val="tx1"/>
+            </a:fontRef>
+          </p:style>
+        </p:cxnSp>
+        <p:cxnSp>
+          <p:nvCxnSpPr>
+            <p:cNvPr id="51" name="Straight Arrow Connector 50"/>
+            <p:cNvCxnSpPr>
+              <a:stCxn id="12" idx="2"/>
+              <a:endCxn id="21" idx="0"/>
+            </p:cNvCxnSpPr>
+            <p:nvPr/>
+          </p:nvCxnSpPr>
+          <p:spPr>
+            <a:xfrm>
+              <a:off x="10109058" y="1049529"/>
+              <a:ext cx="1" cy="544000"/>
+            </a:xfrm>
+            <a:prstGeom prst="straightConnector1">
+              <a:avLst/>
+            </a:prstGeom>
+            <a:ln w="76200">
+              <a:solidFill>
+                <a:schemeClr val="tx1"/>
+              </a:solidFill>
+              <a:tailEnd type="triangle"/>
+            </a:ln>
+          </p:spPr>
+          <p:style>
+            <a:lnRef idx="1">
+              <a:schemeClr val="accent1"/>
+            </a:lnRef>
+            <a:fillRef idx="0">
+              <a:schemeClr val="accent1"/>
+            </a:fillRef>
+            <a:effectRef idx="0">
+              <a:schemeClr val="accent1"/>
+            </a:effectRef>
+            <a:fontRef idx="minor">
+              <a:schemeClr val="tx1"/>
+            </a:fontRef>
+          </p:style>
+        </p:cxnSp>
+        <p:cxnSp>
+          <p:nvCxnSpPr>
+            <p:cNvPr id="53" name="Straight Arrow Connector 52"/>
+            <p:cNvCxnSpPr>
+              <a:stCxn id="30" idx="3"/>
+              <a:endCxn id="21" idx="2"/>
+            </p:cNvCxnSpPr>
+            <p:nvPr/>
+          </p:nvCxnSpPr>
+          <p:spPr>
+            <a:xfrm>
+              <a:off x="8787458" y="2239764"/>
+              <a:ext cx="675366" cy="0"/>
+            </a:xfrm>
+            <a:prstGeom prst="straightConnector1">
+              <a:avLst/>
+            </a:prstGeom>
+            <a:ln w="76200">
+              <a:solidFill>
+                <a:schemeClr val="tx1"/>
+              </a:solidFill>
+              <a:tailEnd type="triangle"/>
+            </a:ln>
+          </p:spPr>
+          <p:style>
+            <a:lnRef idx="1">
+              <a:schemeClr val="accent1"/>
+            </a:lnRef>
+            <a:fillRef idx="0">
+              <a:schemeClr val="accent1"/>
+            </a:fillRef>
+            <a:effectRef idx="0">
+              <a:schemeClr val="accent1"/>
+            </a:effectRef>
+            <a:fontRef idx="minor">
+              <a:schemeClr val="tx1"/>
+            </a:fontRef>
+          </p:style>
+        </p:cxnSp>
+        <p:cxnSp>
+          <p:nvCxnSpPr>
+            <p:cNvPr id="55" name="Straight Arrow Connector 54"/>
+            <p:cNvCxnSpPr>
+              <a:stCxn id="2" idx="0"/>
+              <a:endCxn id="5" idx="4"/>
+            </p:cNvCxnSpPr>
+            <p:nvPr/>
+          </p:nvCxnSpPr>
+          <p:spPr>
+            <a:xfrm flipV="1">
+              <a:off x="3039419" y="2885999"/>
+              <a:ext cx="1" cy="1909695"/>
+            </a:xfrm>
+            <a:prstGeom prst="straightConnector1">
+              <a:avLst/>
+            </a:prstGeom>
+            <a:ln w="76200">
+              <a:solidFill>
+                <a:schemeClr val="tx1"/>
+              </a:solidFill>
+              <a:tailEnd type="triangle"/>
+            </a:ln>
+          </p:spPr>
+          <p:style>
+            <a:lnRef idx="1">
+              <a:schemeClr val="accent1"/>
+            </a:lnRef>
+            <a:fillRef idx="0">
+              <a:schemeClr val="accent1"/>
+            </a:fillRef>
+            <a:effectRef idx="0">
+              <a:schemeClr val="accent1"/>
+            </a:effectRef>
+            <a:fontRef idx="minor">
+              <a:schemeClr val="tx1"/>
+            </a:fontRef>
+          </p:style>
+        </p:cxnSp>
+        <p:grpSp>
+          <p:nvGrpSpPr>
+            <p:cNvPr id="56" name="Group 55"/>
+            <p:cNvGrpSpPr/>
+            <p:nvPr/>
+          </p:nvGrpSpPr>
+          <p:grpSpPr>
+            <a:xfrm>
+              <a:off x="9345193" y="4795695"/>
+              <a:ext cx="1556239" cy="764931"/>
+              <a:chOff x="1037492" y="896815"/>
+              <a:chExt cx="1556239" cy="764931"/>
+            </a:xfrm>
+          </p:grpSpPr>
+          <p:sp>
+            <p:nvSpPr>
+              <p:cNvPr id="57" name="Rectangle 56"/>
+              <p:cNvSpPr/>
+              <p:nvPr/>
+            </p:nvSpPr>
+            <p:spPr>
+              <a:xfrm>
+                <a:off x="1037492" y="896815"/>
+                <a:ext cx="1556239" cy="764931"/>
+              </a:xfrm>
+              <a:prstGeom prst="rect">
+                <a:avLst/>
+              </a:prstGeom>
+              <a:noFill/>
+              <a:ln w="76200">
+                <a:solidFill>
+                  <a:schemeClr val="tx1"/>
+                </a:solidFill>
+              </a:ln>
+            </p:spPr>
+            <p:style>
+              <a:lnRef idx="2">
+                <a:schemeClr val="accent1">
+                  <a:shade val="50000"/>
+                </a:schemeClr>
+              </a:lnRef>
+              <a:fillRef idx="1">
+                <a:schemeClr val="accent1"/>
+              </a:fillRef>
+              <a:effectRef idx="0">
+                <a:schemeClr val="accent1"/>
+              </a:effectRef>
+              <a:fontRef idx="minor">
+                <a:schemeClr val="lt1"/>
+              </a:fontRef>
+            </p:style>
+            <p:txBody>
+              <a:bodyPr rtlCol="0" anchor="ctr"/>
+              <a:lstStyle/>
+              <a:p>
+                <a:pPr algn="ctr"/>
+                <a:endParaRPr lang="en-US"/>
+              </a:p>
+            </p:txBody>
+          </p:sp>
+          <p:sp>
+            <p:nvSpPr>
+              <p:cNvPr id="58" name="TextBox 57"/>
+              <p:cNvSpPr txBox="1"/>
+              <p:nvPr/>
+            </p:nvSpPr>
+            <p:spPr>
+              <a:xfrm>
+                <a:off x="1037492" y="1094614"/>
+                <a:ext cx="1556239" cy="369332"/>
+              </a:xfrm>
+              <a:prstGeom prst="rect">
+                <a:avLst/>
+              </a:prstGeom>
+              <a:noFill/>
+            </p:spPr>
+            <p:txBody>
+              <a:bodyPr wrap="square" rtlCol="0">
+                <a:spAutoFit/>
+              </a:bodyPr>
+              <a:lstStyle/>
+              <a:p>
+                <a:pPr algn="ctr"/>
+                <a:r>
+                  <a:rPr lang="en-US" dirty="0" smtClean="0"/>
+                  <a:t>Visualizations</a:t>
+                </a:r>
+                <a:endParaRPr lang="en-US" dirty="0"/>
+              </a:p>
+            </p:txBody>
+          </p:sp>
+        </p:grpSp>
+        <p:grpSp>
+          <p:nvGrpSpPr>
+            <p:cNvPr id="59" name="Group 58"/>
+            <p:cNvGrpSpPr/>
+            <p:nvPr/>
+          </p:nvGrpSpPr>
+          <p:grpSpPr>
+            <a:xfrm>
+              <a:off x="5969287" y="4531926"/>
+              <a:ext cx="1292469" cy="1292470"/>
+              <a:chOff x="3349869" y="668215"/>
+              <a:chExt cx="1292469" cy="1292470"/>
+            </a:xfrm>
+          </p:grpSpPr>
+          <p:sp>
+            <p:nvSpPr>
+              <p:cNvPr id="60" name="Oval 59"/>
+              <p:cNvSpPr>
+                <a:spLocks noChangeAspect="1"/>
+              </p:cNvSpPr>
+              <p:nvPr/>
+            </p:nvSpPr>
+            <p:spPr>
+              <a:xfrm>
+                <a:off x="3349869" y="668215"/>
+                <a:ext cx="1292469" cy="1292470"/>
+              </a:xfrm>
+              <a:prstGeom prst="ellipse">
+                <a:avLst/>
+              </a:prstGeom>
+              <a:noFill/>
+              <a:ln w="76200">
+                <a:solidFill>
+                  <a:schemeClr val="tx1"/>
+                </a:solidFill>
+              </a:ln>
+            </p:spPr>
+            <p:style>
+              <a:lnRef idx="2">
+                <a:schemeClr val="accent1">
+                  <a:shade val="50000"/>
+                </a:schemeClr>
+              </a:lnRef>
+              <a:fillRef idx="1">
+                <a:schemeClr val="accent1"/>
+              </a:fillRef>
+              <a:effectRef idx="0">
+                <a:schemeClr val="accent1"/>
+              </a:effectRef>
+              <a:fontRef idx="minor">
+                <a:schemeClr val="lt1"/>
+              </a:fontRef>
+            </p:style>
+            <p:txBody>
+              <a:bodyPr rtlCol="0" anchor="ctr"/>
+              <a:lstStyle/>
+              <a:p>
+                <a:pPr algn="ctr"/>
+                <a:endParaRPr lang="en-US"/>
+              </a:p>
+            </p:txBody>
+          </p:sp>
+          <p:sp>
+            <p:nvSpPr>
+              <p:cNvPr id="61" name="TextBox 60"/>
+              <p:cNvSpPr txBox="1"/>
+              <p:nvPr/>
+            </p:nvSpPr>
+            <p:spPr>
+              <a:xfrm>
+                <a:off x="3364123" y="1129784"/>
+                <a:ext cx="1263960" cy="369332"/>
+              </a:xfrm>
+              <a:prstGeom prst="rect">
+                <a:avLst/>
+              </a:prstGeom>
+              <a:noFill/>
+            </p:spPr>
+            <p:txBody>
+              <a:bodyPr wrap="square" rtlCol="0">
+                <a:spAutoFit/>
+              </a:bodyPr>
+              <a:lstStyle/>
+              <a:p>
+                <a:pPr algn="ctr"/>
+                <a:r>
+                  <a:rPr lang="en-US" dirty="0" smtClean="0"/>
+                  <a:t>Compare</a:t>
+                </a:r>
+                <a:endParaRPr lang="en-US" dirty="0"/>
+              </a:p>
+            </p:txBody>
+          </p:sp>
+        </p:grpSp>
+        <p:cxnSp>
+          <p:nvCxnSpPr>
+            <p:cNvPr id="65" name="Straight Arrow Connector 64"/>
+            <p:cNvCxnSpPr>
+              <a:stCxn id="3" idx="3"/>
+              <a:endCxn id="60" idx="2"/>
+            </p:cNvCxnSpPr>
+            <p:nvPr/>
+          </p:nvCxnSpPr>
+          <p:spPr>
+            <a:xfrm>
+              <a:off x="3817538" y="5178159"/>
+              <a:ext cx="2151749" cy="2"/>
+            </a:xfrm>
+            <a:prstGeom prst="straightConnector1">
+              <a:avLst/>
+            </a:prstGeom>
+            <a:ln w="76200">
+              <a:solidFill>
+                <a:schemeClr val="tx1"/>
+              </a:solidFill>
+              <a:tailEnd type="triangle"/>
+            </a:ln>
+          </p:spPr>
+          <p:style>
+            <a:lnRef idx="1">
+              <a:schemeClr val="accent1"/>
+            </a:lnRef>
+            <a:fillRef idx="0">
+              <a:schemeClr val="accent1"/>
+            </a:fillRef>
+            <a:effectRef idx="0">
+              <a:schemeClr val="accent1"/>
+            </a:effectRef>
+            <a:fontRef idx="minor">
+              <a:schemeClr val="tx1"/>
+            </a:fontRef>
+          </p:style>
+        </p:cxnSp>
+        <p:cxnSp>
+          <p:nvCxnSpPr>
+            <p:cNvPr id="67" name="Straight Arrow Connector 66"/>
+            <p:cNvCxnSpPr>
+              <a:stCxn id="58" idx="1"/>
+              <a:endCxn id="60" idx="6"/>
+            </p:cNvCxnSpPr>
+            <p:nvPr/>
+          </p:nvCxnSpPr>
+          <p:spPr>
+            <a:xfrm flipH="1">
+              <a:off x="7261756" y="5178160"/>
+              <a:ext cx="2083437" cy="1"/>
+            </a:xfrm>
+            <a:prstGeom prst="straightConnector1">
+              <a:avLst/>
+            </a:prstGeom>
+            <a:ln w="76200">
+              <a:solidFill>
+                <a:schemeClr val="tx1"/>
+              </a:solidFill>
+              <a:tailEnd type="triangle"/>
+            </a:ln>
+          </p:spPr>
+          <p:style>
+            <a:lnRef idx="1">
+              <a:schemeClr val="accent1"/>
+            </a:lnRef>
+            <a:fillRef idx="0">
+              <a:schemeClr val="accent1"/>
+            </a:fillRef>
+            <a:effectRef idx="0">
+              <a:schemeClr val="accent1"/>
+            </a:effectRef>
+            <a:fontRef idx="minor">
+              <a:schemeClr val="tx1"/>
+            </a:fontRef>
+          </p:style>
+        </p:cxnSp>
+        <p:cxnSp>
+          <p:nvCxnSpPr>
+            <p:cNvPr id="69" name="Straight Arrow Connector 68"/>
+            <p:cNvCxnSpPr>
+              <a:stCxn id="21" idx="4"/>
+              <a:endCxn id="57" idx="0"/>
+            </p:cNvCxnSpPr>
+            <p:nvPr/>
+          </p:nvCxnSpPr>
+          <p:spPr>
+            <a:xfrm>
+              <a:off x="10109059" y="2885999"/>
+              <a:ext cx="14254" cy="1909696"/>
+            </a:xfrm>
+            <a:prstGeom prst="straightConnector1">
+              <a:avLst/>
+            </a:prstGeom>
+            <a:ln w="76200">
+              <a:solidFill>
+                <a:schemeClr val="tx1"/>
+              </a:solidFill>
+              <a:tailEnd type="triangle"/>
+            </a:ln>
+          </p:spPr>
+          <p:style>
+            <a:lnRef idx="1">
+              <a:schemeClr val="accent1"/>
+            </a:lnRef>
+            <a:fillRef idx="0">
+              <a:schemeClr val="accent1"/>
+            </a:fillRef>
+            <a:effectRef idx="0">
+              <a:schemeClr val="accent1"/>
+            </a:effectRef>
+            <a:fontRef idx="minor">
+              <a:schemeClr val="tx1"/>
+            </a:fontRef>
+          </p:style>
+        </p:cxnSp>
+        <p:grpSp>
+          <p:nvGrpSpPr>
+            <p:cNvPr id="70" name="Group 69"/>
+            <p:cNvGrpSpPr/>
+            <p:nvPr/>
+          </p:nvGrpSpPr>
+          <p:grpSpPr>
+            <a:xfrm>
+              <a:off x="5833804" y="6411757"/>
+              <a:ext cx="1556239" cy="764931"/>
+              <a:chOff x="1037492" y="936415"/>
+              <a:chExt cx="1556239" cy="764931"/>
+            </a:xfrm>
+          </p:grpSpPr>
+          <p:sp>
+            <p:nvSpPr>
+              <p:cNvPr id="71" name="Rectangle 70"/>
+              <p:cNvSpPr/>
+              <p:nvPr/>
+            </p:nvSpPr>
+            <p:spPr>
+              <a:xfrm>
+                <a:off x="1037492" y="936415"/>
+                <a:ext cx="1556239" cy="764931"/>
+              </a:xfrm>
+              <a:prstGeom prst="rect">
+                <a:avLst/>
+              </a:prstGeom>
+              <a:noFill/>
+              <a:ln w="76200">
+                <a:solidFill>
+                  <a:schemeClr val="tx1"/>
+                </a:solidFill>
+              </a:ln>
+            </p:spPr>
+            <p:style>
+              <a:lnRef idx="2">
+                <a:schemeClr val="accent1">
+                  <a:shade val="50000"/>
+                </a:schemeClr>
+              </a:lnRef>
+              <a:fillRef idx="1">
+                <a:schemeClr val="accent1"/>
+              </a:fillRef>
+              <a:effectRef idx="0">
+                <a:schemeClr val="accent1"/>
+              </a:effectRef>
+              <a:fontRef idx="minor">
+                <a:schemeClr val="lt1"/>
+              </a:fontRef>
+            </p:style>
+            <p:txBody>
+              <a:bodyPr rtlCol="0" anchor="ctr"/>
+              <a:lstStyle/>
+              <a:p>
+                <a:pPr algn="ctr"/>
+                <a:endParaRPr lang="en-US"/>
+              </a:p>
+            </p:txBody>
+          </p:sp>
+          <p:sp>
+            <p:nvSpPr>
+              <p:cNvPr id="72" name="TextBox 71"/>
+              <p:cNvSpPr txBox="1"/>
+              <p:nvPr/>
+            </p:nvSpPr>
+            <p:spPr>
+              <a:xfrm>
+                <a:off x="1037492" y="995715"/>
+                <a:ext cx="1556239" cy="646331"/>
+              </a:xfrm>
+              <a:prstGeom prst="rect">
+                <a:avLst/>
+              </a:prstGeom>
+              <a:noFill/>
+            </p:spPr>
+            <p:txBody>
+              <a:bodyPr wrap="square" rtlCol="0">
+                <a:spAutoFit/>
+              </a:bodyPr>
+              <a:lstStyle/>
+              <a:p>
+                <a:pPr algn="ctr"/>
+                <a:r>
+                  <a:rPr lang="en-US" dirty="0" smtClean="0"/>
+                  <a:t>Hausdorff distances</a:t>
+                </a:r>
+                <a:endParaRPr lang="en-US" dirty="0"/>
+              </a:p>
+            </p:txBody>
+          </p:sp>
+        </p:grpSp>
+        <p:cxnSp>
+          <p:nvCxnSpPr>
+            <p:cNvPr id="74" name="Straight Arrow Connector 73"/>
+            <p:cNvCxnSpPr>
+              <a:stCxn id="60" idx="4"/>
+              <a:endCxn id="71" idx="0"/>
+            </p:cNvCxnSpPr>
+            <p:nvPr/>
+          </p:nvCxnSpPr>
+          <p:spPr>
+            <a:xfrm flipH="1">
+              <a:off x="6611924" y="5824396"/>
+              <a:ext cx="3598" cy="587361"/>
+            </a:xfrm>
+            <a:prstGeom prst="straightConnector1">
+              <a:avLst/>
+            </a:prstGeom>
+            <a:ln w="76200">
+              <a:solidFill>
+                <a:schemeClr val="tx1"/>
+              </a:solidFill>
+              <a:tailEnd type="triangle"/>
+            </a:ln>
+          </p:spPr>
+          <p:style>
+            <a:lnRef idx="1">
+              <a:schemeClr val="accent1"/>
+            </a:lnRef>
+            <a:fillRef idx="0">
+              <a:schemeClr val="accent1"/>
+            </a:fillRef>
+            <a:effectRef idx="0">
+              <a:schemeClr val="accent1"/>
+            </a:effectRef>
+            <a:fontRef idx="minor">
+              <a:schemeClr val="tx1"/>
+            </a:fontRef>
+          </p:style>
+        </p:cxnSp>
+      </p:grpSp>
+    </p:spTree>
+    <p:extLst>
+      <p:ext uri="{BB962C8B-B14F-4D97-AF65-F5344CB8AC3E}">
+        <p14:creationId xmlns:p14="http://schemas.microsoft.com/office/powerpoint/2010/main" val="3798437684"/>
+      </p:ext>
+    </p:extLst>
+  </p:cSld>
+  <p:clrMapOvr>
+    <a:masterClrMapping/>
+  </p:clrMapOvr>
+</p:sld>
+</file>
+
+<file path=ppt/slides/slide4.xml><?xml version="1.0" encoding="utf-8"?>
+<p:sld xmlns:a="http://schemas.openxmlformats.org/drawingml/2006/main" xmlns:r="http://schemas.openxmlformats.org/officeDocument/2006/relationships" xmlns:p="http://schemas.openxmlformats.org/presentationml/2006/main">
+  <p:cSld>
+    <p:spTree>
+      <p:nvGrpSpPr>
+        <p:cNvPr id="1" name=""/>
+        <p:cNvGrpSpPr/>
+        <p:nvPr/>
+      </p:nvGrpSpPr>
+      <p:grpSpPr>
+        <a:xfrm>
+          <a:off x="0" y="0"/>
+          <a:ext cx="0" cy="0"/>
+          <a:chOff x="0" y="0"/>
+          <a:chExt cx="0" cy="0"/>
+        </a:xfrm>
+      </p:grpSpPr>
+      <p:grpSp>
+        <p:nvGrpSpPr>
+          <p:cNvPr id="6" name="Group 5"/>
+          <p:cNvGrpSpPr/>
+          <p:nvPr/>
+        </p:nvGrpSpPr>
+        <p:grpSpPr>
+          <a:xfrm>
+            <a:off x="1980925" y="-99588"/>
+            <a:ext cx="8044834" cy="6858000"/>
+            <a:chOff x="1980925" y="-99588"/>
+            <a:chExt cx="8044834" cy="6858000"/>
+          </a:xfrm>
+        </p:grpSpPr>
+        <p:grpSp>
+          <p:nvGrpSpPr>
+            <p:cNvPr id="5" name="Group 4"/>
+            <p:cNvGrpSpPr/>
+            <p:nvPr/>
+          </p:nvGrpSpPr>
+          <p:grpSpPr>
+            <a:xfrm>
+              <a:off x="1980925" y="-99588"/>
+              <a:ext cx="5363222" cy="6858000"/>
+              <a:chOff x="1980925" y="-99588"/>
+              <a:chExt cx="5363222" cy="6858000"/>
+            </a:xfrm>
+          </p:grpSpPr>
+          <p:pic>
+            <p:nvPicPr>
+              <p:cNvPr id="2" name="Picture 1"/>
+              <p:cNvPicPr>
+                <a:picLocks noChangeAspect="1"/>
+              </p:cNvPicPr>
+              <p:nvPr/>
+            </p:nvPicPr>
+            <p:blipFill rotWithShape="1">
+              <a:blip r:embed="rId2">
+                <a:extLst>
+                  <a:ext uri="{28A0092B-C50C-407E-A947-70E740481C1C}">
+                    <a14:useLocalDpi xmlns:a14="http://schemas.microsoft.com/office/drawing/2010/main" val="0"/>
+                  </a:ext>
+                </a:extLst>
+              </a:blip>
+              <a:srcRect l="35080" r="35080"/>
+              <a:stretch/>
+            </p:blipFill>
+            <p:spPr>
+              <a:xfrm>
+                <a:off x="1980925" y="-99588"/>
+                <a:ext cx="2681612" cy="6858000"/>
+              </a:xfrm>
+              <a:prstGeom prst="rect">
+                <a:avLst/>
+              </a:prstGeom>
+            </p:spPr>
+          </p:pic>
+          <p:pic>
+            <p:nvPicPr>
+              <p:cNvPr id="3" name="Picture 2"/>
+              <p:cNvPicPr>
+                <a:picLocks noChangeAspect="1"/>
+              </p:cNvPicPr>
+              <p:nvPr/>
+            </p:nvPicPr>
+            <p:blipFill rotWithShape="1">
+              <a:blip r:embed="rId3">
+                <a:extLst>
+                  <a:ext uri="{28A0092B-C50C-407E-A947-70E740481C1C}">
+                    <a14:useLocalDpi xmlns:a14="http://schemas.microsoft.com/office/drawing/2010/main" val="0"/>
+                  </a:ext>
+                </a:extLst>
+              </a:blip>
+              <a:srcRect l="35080" r="35080"/>
+              <a:stretch/>
+            </p:blipFill>
+            <p:spPr>
+              <a:xfrm>
+                <a:off x="4662537" y="-99588"/>
+                <a:ext cx="2681610" cy="6858000"/>
+              </a:xfrm>
+              <a:prstGeom prst="rect">
+                <a:avLst/>
+              </a:prstGeom>
+            </p:spPr>
+          </p:pic>
+        </p:grpSp>
         <p:pic>
           <p:nvPicPr>
-            <p:cNvPr id="2" name="Picture 1"/>
+            <p:cNvPr id="4" name="Picture 3"/>
             <p:cNvPicPr>
               <a:picLocks noChangeAspect="1"/>
             </p:cNvPicPr>
@@ -3059,13 +5049,13 @@
                 </a:ext>
               </a:extLst>
             </a:blip>
-            <a:srcRect l="36482" r="29788"/>
+            <a:srcRect l="35080" r="35080"/>
             <a:stretch/>
           </p:blipFill>
           <p:spPr>
             <a:xfrm>
-              <a:off x="6646985" y="0"/>
-              <a:ext cx="2869804" cy="6858000"/>
+              <a:off x="7344147" y="-99588"/>
+              <a:ext cx="2681612" cy="6858000"/>
             </a:xfrm>
             <a:prstGeom prst="rect">
               <a:avLst/>
@@ -3076,7 +5066,111 @@
     </p:spTree>
     <p:extLst>
       <p:ext uri="{BB962C8B-B14F-4D97-AF65-F5344CB8AC3E}">
-        <p14:creationId xmlns:p14="http://schemas.microsoft.com/office/powerpoint/2010/main" val="1721787053"/>
+        <p14:creationId xmlns:p14="http://schemas.microsoft.com/office/powerpoint/2010/main" val="3261765414"/>
+      </p:ext>
+    </p:extLst>
+  </p:cSld>
+  <p:clrMapOvr>
+    <a:masterClrMapping/>
+  </p:clrMapOvr>
+</p:sld>
+</file>
+
+<file path=ppt/slides/slide5.xml><?xml version="1.0" encoding="utf-8"?>
+<p:sld xmlns:a="http://schemas.openxmlformats.org/drawingml/2006/main" xmlns:r="http://schemas.openxmlformats.org/officeDocument/2006/relationships" xmlns:p="http://schemas.openxmlformats.org/presentationml/2006/main">
+  <p:cSld>
+    <p:spTree>
+      <p:nvGrpSpPr>
+        <p:cNvPr id="1" name=""/>
+        <p:cNvGrpSpPr/>
+        <p:nvPr/>
+      </p:nvGrpSpPr>
+      <p:grpSpPr>
+        <a:xfrm>
+          <a:off x="0" y="0"/>
+          <a:ext cx="0" cy="0"/>
+          <a:chOff x="0" y="0"/>
+          <a:chExt cx="0" cy="0"/>
+        </a:xfrm>
+      </p:grpSpPr>
+      <p:grpSp>
+        <p:nvGrpSpPr>
+          <p:cNvPr id="4" name="Group 3"/>
+          <p:cNvGrpSpPr/>
+          <p:nvPr/>
+        </p:nvGrpSpPr>
+        <p:grpSpPr>
+          <a:xfrm>
+            <a:off x="2721379" y="-155876"/>
+            <a:ext cx="5598755" cy="6554115"/>
+            <a:chOff x="829205" y="-355052"/>
+            <a:chExt cx="5598755" cy="6554115"/>
+          </a:xfrm>
+        </p:grpSpPr>
+        <p:pic>
+          <p:nvPicPr>
+            <p:cNvPr id="2" name="Picture 1"/>
+            <p:cNvPicPr>
+              <a:picLocks noChangeAspect="1"/>
+            </p:cNvPicPr>
+            <p:nvPr/>
+          </p:nvPicPr>
+          <p:blipFill rotWithShape="1">
+            <a:blip r:embed="rId2">
+              <a:extLst>
+                <a:ext uri="{28A0092B-C50C-407E-A947-70E740481C1C}">
+                  <a14:useLocalDpi xmlns:a14="http://schemas.microsoft.com/office/drawing/2010/main" val="0"/>
+                </a:ext>
+              </a:extLst>
+            </a:blip>
+            <a:srcRect l="33061" r="33061"/>
+            <a:stretch/>
+          </p:blipFill>
+          <p:spPr>
+            <a:xfrm>
+              <a:off x="3582314" y="-355052"/>
+              <a:ext cx="2845646" cy="6554115"/>
+            </a:xfrm>
+            <a:prstGeom prst="rect">
+              <a:avLst/>
+            </a:prstGeom>
+          </p:spPr>
+        </p:pic>
+        <p:pic>
+          <p:nvPicPr>
+            <p:cNvPr id="3" name="Picture 2"/>
+            <p:cNvPicPr>
+              <a:picLocks noChangeAspect="1"/>
+            </p:cNvPicPr>
+            <p:nvPr/>
+          </p:nvPicPr>
+          <p:blipFill>
+            <a:blip r:embed="rId3">
+              <a:extLst>
+                <a:ext uri="{28A0092B-C50C-407E-A947-70E740481C1C}">
+                  <a14:useLocalDpi xmlns:a14="http://schemas.microsoft.com/office/drawing/2010/main" val="0"/>
+                </a:ext>
+              </a:extLst>
+            </a:blip>
+            <a:stretch>
+              <a:fillRect/>
+            </a:stretch>
+          </p:blipFill>
+          <p:spPr>
+            <a:xfrm>
+              <a:off x="829205" y="-355052"/>
+              <a:ext cx="2753109" cy="6554115"/>
+            </a:xfrm>
+            <a:prstGeom prst="rect">
+              <a:avLst/>
+            </a:prstGeom>
+          </p:spPr>
+        </p:pic>
+      </p:grpSp>
+    </p:spTree>
+    <p:extLst>
+      <p:ext uri="{BB962C8B-B14F-4D97-AF65-F5344CB8AC3E}">
+        <p14:creationId xmlns:p14="http://schemas.microsoft.com/office/powerpoint/2010/main" val="3201984560"/>
       </p:ext>
     </p:extLst>
   </p:cSld>
